--- a/Presentasi.pptx
+++ b/Presentasi.pptx
@@ -10857,42 +10857,6 @@
           <a:chExt cx="0" cy="0"/>
         </a:xfrm>
       </p:grpSpPr>
-      <p:pic>
-        <p:nvPicPr>
-          <p:cNvPr id="8" name="Picture 7">
-            <a:extLst>
-              <a:ext uri="{FF2B5EF4-FFF2-40B4-BE49-F238E27FC236}">
-                <a16:creationId xmlns:a16="http://schemas.microsoft.com/office/drawing/2014/main" id="{C0EB4FCE-A94B-42A0-A443-3E823242C6EB}"/>
-              </a:ext>
-            </a:extLst>
-          </p:cNvPr>
-          <p:cNvPicPr>
-            <a:picLocks noChangeAspect="1"/>
-          </p:cNvPicPr>
-          <p:nvPr/>
-        </p:nvPicPr>
-        <p:blipFill>
-          <a:blip r:embed="rId2">
-            <a:extLst>
-              <a:ext uri="{28A0092B-C50C-407E-A947-70E740481C1C}">
-                <a14:useLocalDpi xmlns:a14="http://schemas.microsoft.com/office/drawing/2010/main" val="0"/>
-              </a:ext>
-            </a:extLst>
-          </a:blip>
-          <a:stretch>
-            <a:fillRect/>
-          </a:stretch>
-        </p:blipFill>
-        <p:spPr>
-          <a:xfrm>
-            <a:off x="-28206" y="-15767"/>
-            <a:ext cx="19038519" cy="10709167"/>
-          </a:xfrm>
-          <a:prstGeom prst="rect">
-            <a:avLst/>
-          </a:prstGeom>
-        </p:spPr>
-      </p:pic>
       <p:sp>
         <p:nvSpPr>
           <p:cNvPr id="4" name="Rectangle 3">
@@ -10913,6 +10877,9 @@
           <a:prstGeom prst="rect">
             <a:avLst/>
           </a:prstGeom>
+          <a:solidFill>
+            <a:schemeClr val="accent6"/>
+          </a:solidFill>
         </p:spPr>
         <p:txBody>
           <a:bodyPr wrap="square" anchor="t">
@@ -10948,8 +10915,8 @@
         </p:nvSpPr>
         <p:spPr>
           <a:xfrm>
-            <a:off x="4536604" y="9523164"/>
-            <a:ext cx="1889109" cy="523220"/>
+            <a:off x="3888532" y="6066780"/>
+            <a:ext cx="11233248" cy="523220"/>
           </a:xfrm>
           <a:prstGeom prst="rect">
             <a:avLst/>
@@ -10965,12 +10932,12 @@
             <a:r>
               <a:rPr lang="en-US" sz="2800">
                 <a:solidFill>
-                  <a:schemeClr val="bg1"/>
+                  <a:srgbClr val="002060"/>
                 </a:solidFill>
                 <a:latin typeface="Calibri"/>
                 <a:cs typeface="Calibri"/>
               </a:rPr>
-              <a:t>Themes by </a:t>
+              <a:t>Visit: https://github.com/panoet/pt-ifca-customer-segmentation</a:t>
             </a:r>
           </a:p>
         </p:txBody>

--- a/Presentasi.pptx
+++ b/Presentasi.pptx
@@ -18138,7 +18138,7 @@
         <p:spPr>
           <a:xfrm>
             <a:off x="2493890" y="3890809"/>
-            <a:ext cx="7204221" cy="368691"/>
+            <a:ext cx="7204221" cy="1197764"/>
           </a:xfrm>
           <a:prstGeom prst="rect">
             <a:avLst/>
@@ -18150,14 +18150,85 @@
           </a:bodyPr>
           <a:lstStyle/>
           <a:p>
-            <a:pPr algn="ctr"/>
             <a:r>
               <a:rPr lang="en-US" sz="1796" dirty="0">
                 <a:latin typeface="Calibri"/>
                 <a:cs typeface="Calibri"/>
               </a:rPr>
-              <a:t>Visit: https://github.com/panoet/pt-ifca-customer-segmentation</a:t>
-            </a:r>
+              <a:t>Visit</a:t>
+            </a:r>
+            <a:r>
+              <a:rPr lang="en-US" sz="1796">
+                <a:latin typeface="Calibri"/>
+                <a:cs typeface="Calibri"/>
+              </a:rPr>
+              <a:t>: </a:t>
+            </a:r>
+          </a:p>
+          <a:p>
+            <a:r>
+              <a:rPr lang="en-US" sz="1796">
+                <a:latin typeface="Calibri"/>
+                <a:cs typeface="Calibri"/>
+              </a:rPr>
+              <a:t>- </a:t>
+            </a:r>
+            <a:r>
+              <a:rPr lang="en-US" sz="1796">
+                <a:latin typeface="Calibri"/>
+                <a:cs typeface="Calibri"/>
+                <a:hlinkClick r:id="rId2"/>
+              </a:rPr>
+              <a:t>https</a:t>
+            </a:r>
+            <a:r>
+              <a:rPr lang="en-US" sz="1796" dirty="0">
+                <a:latin typeface="Calibri"/>
+                <a:cs typeface="Calibri"/>
+                <a:hlinkClick r:id="rId2"/>
+              </a:rPr>
+              <a:t>://github.com/panoet</a:t>
+            </a:r>
+            <a:r>
+              <a:rPr lang="en-US" sz="1796">
+                <a:latin typeface="Calibri"/>
+                <a:cs typeface="Calibri"/>
+                <a:hlinkClick r:id="rId2"/>
+              </a:rPr>
+              <a:t>/pt-ifca-customer-segmentation</a:t>
+            </a:r>
+            <a:br>
+              <a:rPr lang="en-US" sz="1796">
+                <a:latin typeface="Calibri"/>
+                <a:cs typeface="Calibri"/>
+              </a:rPr>
+            </a:br>
+            <a:r>
+              <a:rPr lang="en-US" sz="1796">
+                <a:latin typeface="Calibri"/>
+                <a:cs typeface="Calibri"/>
+              </a:rPr>
+              <a:t>- </a:t>
+            </a:r>
+            <a:r>
+              <a:rPr lang="en-US" sz="1796">
+                <a:latin typeface="Calibri"/>
+                <a:cs typeface="Calibri"/>
+                <a:hlinkClick r:id="rId3"/>
+              </a:rPr>
+              <a:t>https://blog.cambridgespark.com/how-to-determine-the-optimal-number-of-clusters-for-k-means-clustering-14f27070048f</a:t>
+            </a:r>
+            <a:r>
+              <a:rPr lang="en-US" sz="1796">
+                <a:latin typeface="Calibri"/>
+                <a:cs typeface="Calibri"/>
+              </a:rPr>
+              <a:t> </a:t>
+            </a:r>
+            <a:endParaRPr lang="en-US" sz="1796" dirty="0">
+              <a:latin typeface="Calibri"/>
+              <a:cs typeface="Calibri"/>
+            </a:endParaRPr>
           </a:p>
         </p:txBody>
       </p:sp>
@@ -18211,7 +18282,7 @@
           <p:nvPr/>
         </p:nvPicPr>
         <p:blipFill>
-          <a:blip r:embed="rId2">
+          <a:blip r:embed="rId4">
             <a:extLst>
               <a:ext uri="{28A0092B-C50C-407E-A947-70E740481C1C}">
                 <a14:useLocalDpi xmlns:a14="http://schemas.microsoft.com/office/drawing/2010/main" val="0"/>
